--- a/LabBook_10.pptx
+++ b/LabBook_10.pptx
@@ -233,7 +233,7 @@
           <a:p>
             <a:fld id="{8438F8DC-35B0-48E6-A86E-42F1F08DD00F}" type="datetimeFigureOut">
               <a:rPr lang="es-ES" smtClean="0"/>
-              <a:t>16/02/2026</a:t>
+              <a:t>17/02/2026</a:t>
             </a:fld>
             <a:endParaRPr lang="es-ES"/>
           </a:p>
@@ -410,7 +410,7 @@
           <a:p>
             <a:fld id="{FACBDC12-F39B-4B97-8F4D-6734F9D366FF}" type="datetimeFigureOut">
               <a:rPr lang="es-ES" smtClean="0"/>
-              <a:t>16/02/2026</a:t>
+              <a:t>17/02/2026</a:t>
             </a:fld>
             <a:endParaRPr lang="es-ES"/>
           </a:p>
@@ -2678,7 +2678,7 @@
         <p:spPr>
           <a:xfrm>
             <a:off x="2749676" y="5610250"/>
-            <a:ext cx="8223124" cy="289823"/>
+            <a:ext cx="8223124" cy="579646"/>
           </a:xfrm>
           <a:prstGeom prst="rect">
             <a:avLst/>
@@ -2710,7 +2710,38 @@
                 <a:latin typeface="Arial"/>
                 <a:cs typeface="Arial"/>
               </a:rPr>
-              <a:t>: </a:t>
+              <a:t>: Javier </a:t>
+            </a:r>
+            <a:r>
+              <a:rPr lang="es-ES" spc="165" dirty="0" err="1">
+                <a:latin typeface="Arial"/>
+                <a:cs typeface="Arial"/>
+              </a:rPr>
+              <a:t>Llàcer</a:t>
+            </a:r>
+            <a:r>
+              <a:rPr lang="es-ES" spc="165" dirty="0">
+                <a:latin typeface="Arial"/>
+                <a:cs typeface="Arial"/>
+              </a:rPr>
+              <a:t> Noha &amp; Miguel Ángel Descalzo Cuevas</a:t>
+            </a:r>
+          </a:p>
+          <a:p>
+            <a:pPr marL="12700">
+              <a:lnSpc>
+                <a:spcPct val="100000"/>
+              </a:lnSpc>
+              <a:spcBef>
+                <a:spcPts val="100"/>
+              </a:spcBef>
+            </a:pPr>
+            <a:r>
+              <a:rPr lang="es-ES" spc="165" dirty="0">
+                <a:latin typeface="Arial"/>
+                <a:cs typeface="Arial"/>
+              </a:rPr>
+              <a:t> </a:t>
             </a:r>
             <a:endParaRPr sz="1800" dirty="0">
               <a:latin typeface="Arial"/>
@@ -5572,57 +5603,6 @@
       </p:sp>
       <p:sp>
         <p:nvSpPr>
-          <p:cNvPr id="6" name="CuadroTexto 5">
-            <a:extLst>
-              <a:ext uri="{FF2B5EF4-FFF2-40B4-BE49-F238E27FC236}">
-                <a16:creationId xmlns:a16="http://schemas.microsoft.com/office/drawing/2014/main" id="{3C4E7A47-20E2-3C27-D841-5A665642F6E2}"/>
-              </a:ext>
-            </a:extLst>
-          </p:cNvPr>
-          <p:cNvSpPr txBox="1"/>
-          <p:nvPr/>
-        </p:nvSpPr>
-        <p:spPr>
-          <a:xfrm>
-            <a:off x="2285455" y="2671278"/>
-            <a:ext cx="1980542" cy="923330"/>
-          </a:xfrm>
-          <a:prstGeom prst="rect">
-            <a:avLst/>
-          </a:prstGeom>
-          <a:noFill/>
-        </p:spPr>
-        <p:txBody>
-          <a:bodyPr wrap="none" rtlCol="0">
-            <a:spAutoFit/>
-          </a:bodyPr>
-          <a:lstStyle/>
-          <a:p>
-            <a:pPr algn="ctr"/>
-            <a:r>
-              <a:rPr lang="en-US" b="1" dirty="0"/>
-              <a:t>shallow</a:t>
-            </a:r>
-            <a:r>
-              <a:rPr lang="en-US" dirty="0"/>
-              <a:t> waveguide</a:t>
-            </a:r>
-          </a:p>
-          <a:p>
-            <a:pPr algn="ctr"/>
-            <a:endParaRPr lang="en-US" dirty="0"/>
-          </a:p>
-          <a:p>
-            <a:pPr algn="ctr"/>
-            <a:r>
-              <a:rPr lang="en-US" dirty="0"/>
-              <a:t>Paste plot here</a:t>
-            </a:r>
-          </a:p>
-        </p:txBody>
-      </p:sp>
-      <p:sp>
-        <p:nvSpPr>
           <p:cNvPr id="7" name="Rectángulo 6">
             <a:extLst>
               <a:ext uri="{FF2B5EF4-FFF2-40B4-BE49-F238E27FC236}">
@@ -5673,63 +5653,72 @@
           </a:p>
         </p:txBody>
       </p:sp>
-      <p:sp>
-        <p:nvSpPr>
-          <p:cNvPr id="8" name="CuadroTexto 7">
+      <p:pic>
+        <p:nvPicPr>
+          <p:cNvPr id="4" name="Imagen 3">
             <a:extLst>
               <a:ext uri="{FF2B5EF4-FFF2-40B4-BE49-F238E27FC236}">
-                <a16:creationId xmlns:a16="http://schemas.microsoft.com/office/drawing/2014/main" id="{CD9C65D4-5494-F5CE-1094-CB0A32C33876}"/>
+                <a16:creationId xmlns:a16="http://schemas.microsoft.com/office/drawing/2014/main" id="{3A5FCE10-F85E-E45E-E752-D26F646E54A6}"/>
               </a:ext>
             </a:extLst>
           </p:cNvPr>
-          <p:cNvSpPr txBox="1"/>
+          <p:cNvPicPr>
+            <a:picLocks noChangeAspect="1"/>
+          </p:cNvPicPr>
           <p:nvPr/>
-        </p:nvSpPr>
+        </p:nvPicPr>
+        <p:blipFill>
+          <a:blip r:embed="rId5"/>
+          <a:stretch>
+            <a:fillRect/>
+          </a:stretch>
+        </p:blipFill>
         <p:spPr>
           <a:xfrm>
-            <a:off x="8281672" y="2671278"/>
-            <a:ext cx="1722908" cy="923330"/>
+            <a:off x="6622061" y="1600200"/>
+            <a:ext cx="5181600" cy="3022600"/>
           </a:xfrm>
           <a:prstGeom prst="rect">
             <a:avLst/>
           </a:prstGeom>
-          <a:noFill/>
         </p:spPr>
-        <p:txBody>
-          <a:bodyPr wrap="none" rtlCol="0">
-            <a:spAutoFit/>
-          </a:bodyPr>
-          <a:lstStyle/>
-          <a:p>
-            <a:pPr algn="ctr"/>
-            <a:r>
-              <a:rPr lang="en-US" b="1" dirty="0"/>
-              <a:t>deep</a:t>
-            </a:r>
-            <a:r>
-              <a:rPr lang="en-US" dirty="0"/>
-              <a:t> waveguide</a:t>
-            </a:r>
-          </a:p>
-          <a:p>
-            <a:pPr algn="ctr"/>
-            <a:endParaRPr lang="en-US" dirty="0"/>
-          </a:p>
-          <a:p>
-            <a:pPr algn="ctr"/>
-            <a:r>
-              <a:rPr lang="en-US" dirty="0"/>
-              <a:t>Paste plot here</a:t>
-            </a:r>
-          </a:p>
-        </p:txBody>
-      </p:sp>
-      <p:sp>
-        <p:nvSpPr>
-          <p:cNvPr id="9" name="CuadroTexto 8">
+      </p:pic>
+      <p:pic>
+        <p:nvPicPr>
+          <p:cNvPr id="10" name="Imagen 9" descr="Gráfico, Gráfico de líneas&#10;&#10;El contenido generado por IA puede ser incorrecto.">
             <a:extLst>
               <a:ext uri="{FF2B5EF4-FFF2-40B4-BE49-F238E27FC236}">
-                <a16:creationId xmlns:a16="http://schemas.microsoft.com/office/drawing/2014/main" id="{8BD4C233-B5D9-B6AA-93A8-CF2F130CFF9C}"/>
+                <a16:creationId xmlns:a16="http://schemas.microsoft.com/office/drawing/2014/main" id="{BABF327B-1BF1-588E-49A6-E98509B487BF}"/>
+              </a:ext>
+            </a:extLst>
+          </p:cNvPr>
+          <p:cNvPicPr>
+            <a:picLocks noChangeAspect="1"/>
+          </p:cNvPicPr>
+          <p:nvPr/>
+        </p:nvPicPr>
+        <p:blipFill>
+          <a:blip r:embed="rId6"/>
+          <a:stretch>
+            <a:fillRect/>
+          </a:stretch>
+        </p:blipFill>
+        <p:spPr>
+          <a:xfrm>
+            <a:off x="685800" y="1600200"/>
+            <a:ext cx="5186993" cy="3025746"/>
+          </a:xfrm>
+          <a:prstGeom prst="rect">
+            <a:avLst/>
+          </a:prstGeom>
+        </p:spPr>
+      </p:pic>
+      <p:sp>
+        <p:nvSpPr>
+          <p:cNvPr id="11" name="CuadroTexto 10">
+            <a:extLst>
+              <a:ext uri="{FF2B5EF4-FFF2-40B4-BE49-F238E27FC236}">
+                <a16:creationId xmlns:a16="http://schemas.microsoft.com/office/drawing/2014/main" id="{96A4DBF1-CE9B-9558-4A6B-24174CFFE9B4}"/>
               </a:ext>
             </a:extLst>
           </p:cNvPr>
@@ -5753,12 +5742,8 @@
           <a:lstStyle/>
           <a:p>
             <a:r>
-              <a:rPr lang="en-US"/>
-              <a:t>slab </a:t>
-            </a:r>
-            <a:r>
               <a:rPr lang="en-US" dirty="0"/>
-              <a:t>= 150nm</a:t>
+              <a:t>slab = 150nm</a:t>
             </a:r>
             <a:endParaRPr lang="es-ES" dirty="0"/>
           </a:p>

--- a/LabBook_10.pptx
+++ b/LabBook_10.pptx
@@ -5467,7 +5467,7 @@
         <p:spPr>
           <a:xfrm>
             <a:off x="609441" y="4860334"/>
-            <a:ext cx="11199971" cy="1200329"/>
+            <a:ext cx="11199971" cy="2123658"/>
           </a:xfrm>
           <a:prstGeom prst="rect">
             <a:avLst/>
@@ -5521,13 +5521,44 @@
           </a:p>
           <a:p>
             <a:pPr algn="just"/>
-            <a:endParaRPr lang="en-US" sz="1200" dirty="0">
+            <a:r>
+              <a:rPr lang="es-ES" sz="1200" dirty="0">
+                <a:latin typeface="Arial" panose="020B0604020202020204" pitchFamily="34" charset="0"/>
+                <a:cs typeface="Arial" panose="020B0604020202020204" pitchFamily="34" charset="0"/>
+              </a:rPr>
+              <a:t>En ambas guías se observa que, a mayor frecuencia (es decir, a menor longitud de onda), el confinamiento de la energía en el núcleo es mayor, lo que se refleja en un incremento del índice efectivo. Por el contrario, al aumentar la longitud de onda, el índice efectivo disminuye. -&gt; relacionarlo con el índice efectivo del núcleo es mayor que el índice efectivo de la cubierta.</a:t>
+            </a:r>
+          </a:p>
+          <a:p>
+            <a:pPr algn="just"/>
+            <a:endParaRPr lang="es-ES" sz="1200" dirty="0">
               <a:latin typeface="Arial" panose="020B0604020202020204" pitchFamily="34" charset="0"/>
               <a:cs typeface="Arial" panose="020B0604020202020204" pitchFamily="34" charset="0"/>
             </a:endParaRPr>
           </a:p>
           <a:p>
             <a:pPr algn="just"/>
+            <a:r>
+              <a:rPr lang="es-ES" sz="1200" dirty="0">
+                <a:latin typeface="Arial" panose="020B0604020202020204" pitchFamily="34" charset="0"/>
+                <a:cs typeface="Arial" panose="020B0604020202020204" pitchFamily="34" charset="0"/>
+              </a:rPr>
+              <a:t>En la guía </a:t>
+            </a:r>
+            <a:r>
+              <a:rPr lang="es-ES" sz="1200" dirty="0" err="1">
+                <a:latin typeface="Arial" panose="020B0604020202020204" pitchFamily="34" charset="0"/>
+                <a:cs typeface="Arial" panose="020B0604020202020204" pitchFamily="34" charset="0"/>
+              </a:rPr>
+              <a:t>Shallow</a:t>
+            </a:r>
+            <a:r>
+              <a:rPr lang="es-ES" sz="1200" dirty="0">
+                <a:latin typeface="Arial" panose="020B0604020202020204" pitchFamily="34" charset="0"/>
+                <a:cs typeface="Arial" panose="020B0604020202020204" pitchFamily="34" charset="0"/>
+              </a:rPr>
+              <a:t> se observa la propagación de los modos 0, 1, 2 y 3 a través del núcleo, lo que indica un comportamiento multimodo. En cambio, en la guía Deep únicamente se propagan los modos 0 y 1, mostrando un menor número de modos soportados debido a su diferente sección transversal y mayor confinamiento.</a:t>
+            </a:r>
             <a:endParaRPr lang="en-US" sz="1200" dirty="0">
               <a:latin typeface="Arial" panose="020B0604020202020204" pitchFamily="34" charset="0"/>
               <a:cs typeface="Arial" panose="020B0604020202020204" pitchFamily="34" charset="0"/>
@@ -5685,7 +5716,7 @@
       </p:pic>
       <p:pic>
         <p:nvPicPr>
-          <p:cNvPr id="10" name="Imagen 9" descr="Gráfico, Gráfico de líneas&#10;&#10;El contenido generado por IA puede ser incorrecto.">
+          <p:cNvPr id="10" name="Imagen 9">
             <a:extLst>
               <a:ext uri="{FF2B5EF4-FFF2-40B4-BE49-F238E27FC236}">
                 <a16:creationId xmlns:a16="http://schemas.microsoft.com/office/drawing/2014/main" id="{BABF327B-1BF1-588E-49A6-E98509B487BF}"/>
@@ -5698,15 +5729,20 @@
           <p:nvPr/>
         </p:nvPicPr>
         <p:blipFill>
-          <a:blip r:embed="rId6"/>
-          <a:stretch>
-            <a:fillRect/>
-          </a:stretch>
+          <a:blip r:embed="rId6">
+            <a:extLst>
+              <a:ext uri="{28A0092B-C50C-407E-A947-70E740481C1C}">
+                <a14:useLocalDpi xmlns:a14="http://schemas.microsoft.com/office/drawing/2010/main" val="0"/>
+              </a:ext>
+            </a:extLst>
+          </a:blip>
+          <a:srcRect/>
+          <a:stretch/>
         </p:blipFill>
         <p:spPr>
           <a:xfrm>
             <a:off x="685800" y="1600200"/>
-            <a:ext cx="5186993" cy="3025746"/>
+            <a:ext cx="5186993" cy="3025745"/>
           </a:xfrm>
           <a:prstGeom prst="rect">
             <a:avLst/>
